--- a/spring12/slidesS12/simple-isomorphism.pptx
+++ b/spring12/slidesS12/simple-isomorphism.pptx
@@ -27,7 +27,7 @@
     <p:sldId id="772" r:id="rId15"/>
   </p:sldIdLst>
   <p:sldSz cx="9144000" cy="6858000" type="screen4x3"/>
-  <p:notesSz cx="7315200" cy="9601200"/>
+  <p:notesSz cx="9601200" cy="7315200"/>
   <p:custDataLst>
     <p:tags r:id="rId19"/>
   </p:custDataLst>
@@ -202,7 +202,7 @@
         <p:spPr bwMode="auto">
           <a:xfrm>
             <a:off x="0" y="0"/>
-            <a:ext cx="3170238" cy="479425"/>
+            <a:ext cx="4160937" cy="365276"/>
           </a:xfrm>
           <a:prstGeom prst="rect">
             <a:avLst/>
@@ -251,8 +251,8 @@
         </p:nvSpPr>
         <p:spPr bwMode="auto">
           <a:xfrm>
-            <a:off x="4143375" y="0"/>
-            <a:ext cx="3170238" cy="479425"/>
+            <a:off x="5438180" y="0"/>
+            <a:ext cx="4160937" cy="365276"/>
           </a:xfrm>
           <a:prstGeom prst="rect">
             <a:avLst/>
@@ -301,8 +301,8 @@
         </p:nvSpPr>
         <p:spPr bwMode="auto">
           <a:xfrm>
-            <a:off x="0" y="9120188"/>
-            <a:ext cx="3170238" cy="479425"/>
+            <a:off x="0" y="6948715"/>
+            <a:ext cx="4160937" cy="365276"/>
           </a:xfrm>
           <a:prstGeom prst="rect">
             <a:avLst/>
@@ -351,8 +351,8 @@
         </p:nvSpPr>
         <p:spPr bwMode="auto">
           <a:xfrm>
-            <a:off x="4143375" y="9120188"/>
-            <a:ext cx="3170238" cy="479425"/>
+            <a:off x="5438180" y="6948715"/>
+            <a:ext cx="4160937" cy="365276"/>
           </a:xfrm>
           <a:prstGeom prst="rect">
             <a:avLst/>
@@ -443,7 +443,7 @@
         <p:spPr bwMode="auto">
           <a:xfrm>
             <a:off x="0" y="0"/>
-            <a:ext cx="3170238" cy="479425"/>
+            <a:ext cx="4160937" cy="365276"/>
           </a:xfrm>
           <a:prstGeom prst="rect">
             <a:avLst/>
@@ -492,8 +492,8 @@
         </p:nvSpPr>
         <p:spPr bwMode="auto">
           <a:xfrm>
-            <a:off x="4144963" y="0"/>
-            <a:ext cx="3170237" cy="479425"/>
+            <a:off x="5440265" y="0"/>
+            <a:ext cx="4160936" cy="365276"/>
           </a:xfrm>
           <a:prstGeom prst="rect">
             <a:avLst/>
@@ -542,8 +542,8 @@
         </p:nvSpPr>
         <p:spPr bwMode="auto">
           <a:xfrm>
-            <a:off x="1257300" y="720725"/>
-            <a:ext cx="4800600" cy="3600450"/>
+            <a:off x="2971800" y="549275"/>
+            <a:ext cx="3657600" cy="2743200"/>
           </a:xfrm>
           <a:prstGeom prst="rect">
             <a:avLst/>
@@ -572,8 +572,8 @@
         </p:nvSpPr>
         <p:spPr bwMode="auto">
           <a:xfrm>
-            <a:off x="976313" y="4560888"/>
-            <a:ext cx="5362575" cy="4319587"/>
+            <a:off x="1281411" y="3474963"/>
+            <a:ext cx="7038380" cy="3291114"/>
           </a:xfrm>
           <a:prstGeom prst="rect">
             <a:avLst/>
@@ -643,8 +643,8 @@
         </p:nvSpPr>
         <p:spPr bwMode="auto">
           <a:xfrm>
-            <a:off x="0" y="9121775"/>
-            <a:ext cx="3170238" cy="479425"/>
+            <a:off x="0" y="6949924"/>
+            <a:ext cx="4160937" cy="365276"/>
           </a:xfrm>
           <a:prstGeom prst="rect">
             <a:avLst/>
@@ -693,8 +693,8 @@
         </p:nvSpPr>
         <p:spPr bwMode="auto">
           <a:xfrm>
-            <a:off x="4144963" y="9121775"/>
-            <a:ext cx="3170237" cy="479425"/>
+            <a:off x="5440265" y="6949924"/>
+            <a:ext cx="4160936" cy="365276"/>
           </a:xfrm>
           <a:prstGeom prst="rect">
             <a:avLst/>
@@ -2143,11 +2143,7 @@
             </a:r>
             <a:r>
               <a:rPr lang="en-US" dirty="0" smtClean="0"/>
-              <a:t> </a:t>
-            </a:r>
-            <a:r>
-              <a:rPr lang="en-US" dirty="0" smtClean="0"/>
-              <a:t>7W.</a:t>
+              <a:t> 7W.</a:t>
             </a:r>
             <a:fld id="{2AF49EA3-B1C2-4437-84E9-F0A2054D847B}" type="slidenum">
               <a:rPr lang="en-US" smtClean="0"/>
@@ -2290,11 +2286,7 @@
             </a:r>
             <a:r>
               <a:rPr lang="en-US" dirty="0" smtClean="0"/>
-              <a:t> </a:t>
-            </a:r>
-            <a:r>
-              <a:rPr lang="en-US" dirty="0" smtClean="0"/>
-              <a:t>7W.</a:t>
+              <a:t> 7W.</a:t>
             </a:r>
             <a:fld id="{96F619E6-6DF7-40A3-ABA3-08075F9C9DE7}" type="slidenum">
               <a:rPr lang="en-US" smtClean="0"/>
@@ -2459,11 +2451,7 @@
             </a:r>
             <a:r>
               <a:rPr lang="en-US" dirty="0" smtClean="0"/>
-              <a:t> </a:t>
-            </a:r>
-            <a:r>
-              <a:rPr lang="en-US" dirty="0" smtClean="0"/>
-              <a:t>7W.</a:t>
+              <a:t> 7W.</a:t>
             </a:r>
             <a:fld id="{23581F62-E8B7-48F2-9B8D-F880FB41BDA1}" type="slidenum">
               <a:rPr lang="en-US" smtClean="0"/>
@@ -2554,11 +2542,7 @@
             </a:r>
             <a:r>
               <a:rPr lang="en-US" dirty="0" smtClean="0"/>
-              <a:t> </a:t>
-            </a:r>
-            <a:r>
-              <a:rPr lang="en-US" dirty="0" smtClean="0"/>
-              <a:t>7W.</a:t>
+              <a:t> 7W.</a:t>
             </a:r>
             <a:fld id="{0D9BACEC-3AFE-4D6A-95F7-22928FA1E0D4}" type="slidenum">
               <a:rPr lang="en-US" smtClean="0"/>
@@ -2626,11 +2610,7 @@
             </a:r>
             <a:r>
               <a:rPr lang="en-US" dirty="0" smtClean="0"/>
-              <a:t> </a:t>
-            </a:r>
-            <a:r>
-              <a:rPr lang="en-US" dirty="0" smtClean="0"/>
-              <a:t>7W.</a:t>
+              <a:t> 7W.</a:t>
             </a:r>
             <a:fld id="{F6BE0579-943A-465D-AC8F-BB4FC82F6263}" type="slidenum">
               <a:rPr lang="en-US" smtClean="0"/>
@@ -2856,11 +2836,7 @@
             </a:r>
             <a:r>
               <a:rPr lang="en-US" dirty="0" smtClean="0"/>
-              <a:t> </a:t>
-            </a:r>
-            <a:r>
-              <a:rPr lang="en-US" dirty="0" smtClean="0"/>
-              <a:t>7W.</a:t>
+              <a:t> 7W.</a:t>
             </a:r>
             <a:fld id="{9ABFFDF2-8EF6-4F3E-BC91-5F16E330E069}" type="slidenum">
               <a:rPr lang="en-US" smtClean="0"/>
@@ -3078,11 +3054,7 @@
             </a:r>
             <a:r>
               <a:rPr lang="en-US" dirty="0" smtClean="0"/>
-              <a:t> </a:t>
-            </a:r>
-            <a:r>
-              <a:rPr lang="en-US" dirty="0" smtClean="0"/>
-              <a:t>7W.</a:t>
+              <a:t> 7W.</a:t>
             </a:r>
             <a:fld id="{EA14F88D-777A-4299-8570-DC348E624953}" type="slidenum">
               <a:rPr lang="en-US" smtClean="0"/>
@@ -3154,13 +3126,7 @@
               <a:rPr lang="en-US" sz="1200" dirty="0" smtClean="0">
                 <a:latin typeface="Comic Sans MS" pitchFamily="66" charset="0"/>
               </a:rPr>
-              <a:t>Meyer     </a:t>
-            </a:r>
-            <a:r>
-              <a:rPr lang="en-US" sz="1200" dirty="0" smtClean="0">
-                <a:latin typeface="Comic Sans MS" pitchFamily="66" charset="0"/>
-              </a:rPr>
-              <a:t>March</a:t>
+              <a:t>Meyer     March</a:t>
             </a:r>
             <a:r>
               <a:rPr lang="en-US" sz="1200" baseline="0" dirty="0" smtClean="0">
@@ -3638,11 +3604,7 @@
             </a:r>
             <a:r>
               <a:rPr lang="en-US" dirty="0" smtClean="0"/>
-              <a:t> </a:t>
-            </a:r>
-            <a:r>
-              <a:rPr lang="en-US" dirty="0" smtClean="0"/>
-              <a:t>7W.</a:t>
+              <a:t> 7W.</a:t>
             </a:r>
             <a:fld id="{ACF40DFD-16BB-4195-87D0-F1A44B357E55}" type="slidenum">
               <a:rPr lang="en-US" smtClean="0"/>
@@ -3877,11 +3839,7 @@
             </a:r>
             <a:r>
               <a:rPr lang="en-US" dirty="0" smtClean="0"/>
-              <a:t> </a:t>
-            </a:r>
-            <a:r>
-              <a:rPr lang="en-US" dirty="0" smtClean="0"/>
-              <a:t>7W.</a:t>
+              <a:t> 7W.</a:t>
             </a:r>
             <a:fld id="{A0329A7B-0CDF-4474-9D5E-25E9C11592CB}" type="slidenum">
               <a:rPr lang="en-US" smtClean="0"/>
@@ -4524,11 +4482,7 @@
             </a:r>
             <a:r>
               <a:rPr lang="en-US" dirty="0" smtClean="0"/>
-              <a:t> </a:t>
-            </a:r>
-            <a:r>
-              <a:rPr lang="en-US" dirty="0" smtClean="0"/>
-              <a:t>7W.</a:t>
+              <a:t> 7W.</a:t>
             </a:r>
             <a:fld id="{B88CF5CE-1058-4BB5-8192-EF3446247848}" type="slidenum">
               <a:rPr lang="en-US" smtClean="0"/>
@@ -5855,11 +5809,7 @@
             </a:r>
             <a:r>
               <a:rPr lang="en-US" dirty="0" smtClean="0"/>
-              <a:t> </a:t>
-            </a:r>
-            <a:r>
-              <a:rPr lang="en-US" dirty="0" smtClean="0"/>
-              <a:t>7W.</a:t>
+              <a:t> 7W.</a:t>
             </a:r>
             <a:fld id="{8DE3D2CC-F788-4557-8ECB-878F673AE85C}" type="slidenum">
               <a:rPr lang="en-US" smtClean="0"/>
@@ -6096,11 +6046,7 @@
             </a:r>
             <a:r>
               <a:rPr lang="en-US" dirty="0" smtClean="0"/>
-              <a:t> </a:t>
-            </a:r>
-            <a:r>
-              <a:rPr lang="en-US" dirty="0" smtClean="0"/>
-              <a:t>7W.</a:t>
+              <a:t> 7W.</a:t>
             </a:r>
             <a:fld id="{15D60AE2-77FF-43D7-8AD9-B8A424F004F9}" type="slidenum">
               <a:rPr lang="en-US" smtClean="0"/>
@@ -6689,11 +6635,7 @@
             </a:r>
             <a:r>
               <a:rPr lang="en-US" dirty="0" smtClean="0"/>
-              <a:t> </a:t>
-            </a:r>
-            <a:r>
-              <a:rPr lang="en-US" dirty="0" smtClean="0"/>
-              <a:t>7W.</a:t>
+              <a:t> 7W.</a:t>
             </a:r>
             <a:fld id="{3AEDE1B4-22B9-44CE-94B1-9B4CDE94A4EF}" type="slidenum">
               <a:rPr lang="en-US" smtClean="0"/>
@@ -7149,11 +7091,7 @@
             </a:r>
             <a:r>
               <a:rPr lang="en-US" dirty="0" smtClean="0"/>
-              <a:t> </a:t>
-            </a:r>
-            <a:r>
-              <a:rPr lang="en-US" dirty="0" smtClean="0"/>
-              <a:t>7W.</a:t>
+              <a:t> 7W.</a:t>
             </a:r>
             <a:fld id="{80838894-100E-4519-8E62-44A287AD6BD4}" type="slidenum">
               <a:rPr lang="en-US" smtClean="0"/>
@@ -8945,11 +8883,7 @@
             </a:r>
             <a:r>
               <a:rPr lang="en-US" dirty="0" smtClean="0"/>
-              <a:t> </a:t>
-            </a:r>
-            <a:r>
-              <a:rPr lang="en-US" dirty="0" smtClean="0"/>
-              <a:t>7W.</a:t>
+              <a:t> 7W.</a:t>
             </a:r>
             <a:fld id="{B240AD19-D171-4C36-BC34-165F4F829BC6}" type="slidenum">
               <a:rPr lang="en-US" smtClean="0"/>
@@ -10765,11 +10699,7 @@
             </a:r>
             <a:r>
               <a:rPr lang="en-US" dirty="0" smtClean="0"/>
-              <a:t> </a:t>
-            </a:r>
-            <a:r>
-              <a:rPr lang="en-US" dirty="0" smtClean="0"/>
-              <a:t>7W.</a:t>
+              <a:t> 7W.</a:t>
             </a:r>
             <a:fld id="{68A93573-C3A1-4216-A253-FAD638233C5A}" type="slidenum">
               <a:rPr lang="en-US" smtClean="0"/>
@@ -11160,11 +11090,7 @@
             </a:r>
             <a:r>
               <a:rPr lang="en-US" dirty="0" smtClean="0"/>
-              <a:t> </a:t>
-            </a:r>
-            <a:r>
-              <a:rPr lang="en-US" dirty="0" smtClean="0"/>
-              <a:t>7W.</a:t>
+              <a:t> 7W.</a:t>
             </a:r>
             <a:fld id="{5E3C3489-5335-4071-A373-779F9E8C608D}" type="slidenum">
               <a:rPr lang="en-US" smtClean="0"/>
@@ -11547,11 +11473,7 @@
             </a:r>
             <a:r>
               <a:rPr lang="en-US" dirty="0" smtClean="0"/>
-              <a:t> </a:t>
-            </a:r>
-            <a:r>
-              <a:rPr lang="en-US" dirty="0" smtClean="0"/>
-              <a:t>7W.</a:t>
+              <a:t> 7W.</a:t>
             </a:r>
             <a:fld id="{AA7FE549-B246-4F98-AB9B-E10B9848818D}" type="slidenum">
               <a:rPr lang="en-US" smtClean="0"/>
@@ -13373,11 +13295,7 @@
             </a:r>
             <a:r>
               <a:rPr lang="en-US" dirty="0" smtClean="0"/>
-              <a:t> </a:t>
-            </a:r>
-            <a:r>
-              <a:rPr lang="en-US" dirty="0" smtClean="0"/>
-              <a:t>7W.</a:t>
+              <a:t> 7W.</a:t>
             </a:r>
             <a:fld id="{046B1DE3-69C3-424B-B7F0-9CF8344ADFF4}" type="slidenum">
               <a:rPr lang="en-US" smtClean="0"/>
@@ -14694,11 +14612,7 @@
             </a:r>
             <a:r>
               <a:rPr lang="en-US" dirty="0" smtClean="0"/>
-              <a:t> </a:t>
-            </a:r>
-            <a:r>
-              <a:rPr lang="en-US" dirty="0" smtClean="0"/>
-              <a:t>7W.</a:t>
+              <a:t> 7W.</a:t>
             </a:r>
             <a:fld id="{1AC59D09-C0B9-4025-A086-F05489DDA977}" type="slidenum">
               <a:rPr lang="en-US" smtClean="0"/>
@@ -16143,11 +16057,7 @@
             </a:r>
             <a:r>
               <a:rPr lang="en-US" dirty="0" smtClean="0"/>
-              <a:t> </a:t>
-            </a:r>
-            <a:r>
-              <a:rPr lang="en-US" dirty="0" smtClean="0"/>
-              <a:t>7W.</a:t>
+              <a:t> 7W.</a:t>
             </a:r>
             <a:fld id="{1DB5B75C-AF40-408B-B111-07AA97733054}" type="slidenum">
               <a:rPr lang="en-US" smtClean="0"/>

--- a/spring12/slidesS12/simple-isomorphism.pptx
+++ b/spring12/slidesS12/simple-isomorphism.pptx
@@ -4197,6 +4197,7 @@
             <a:solidFill>
               <a:srgbClr val="FF00FF"/>
             </a:solidFill>
+            <a:prstDash val="sysDash"/>
             <a:miter lim="800000"/>
             <a:headEnd/>
             <a:tailEnd type="none" w="lg" len="lg"/>
@@ -4240,7 +4241,7 @@
                             </p:stCondLst>
                             <p:childTnLst>
                               <p:par>
-                                <p:cTn id="5" presetID="1" presetClass="entr" presetSubtype="0" fill="hold" nodeType="clickEffect">
+                                <p:cTn id="5" presetID="9" presetClass="entr" presetSubtype="0" fill="hold" nodeType="clickEffect">
                                   <p:stCondLst>
                                     <p:cond delay="0"/>
                                   </p:stCondLst>
@@ -4267,6 +4268,18 @@
                                         <p:strVal val="visible"/>
                                       </p:to>
                                     </p:set>
+                                    <p:animEffect transition="in" filter="dissolve">
+                                      <p:cBhvr>
+                                        <p:cTn id="7" dur="500"/>
+                                        <p:tgtEl>
+                                          <p:spTgt spid="669699">
+                                            <p:txEl>
+                                              <p:pRg st="2" end="2"/>
+                                            </p:txEl>
+                                          </p:spTgt>
+                                        </p:tgtEl>
+                                      </p:cBhvr>
+                                    </p:animEffect>
                                   </p:childTnLst>
                                 </p:cTn>
                               </p:par>
@@ -4277,26 +4290,26 @@
                     </p:cTn>
                   </p:par>
                   <p:par>
-                    <p:cTn id="7" fill="hold">
+                    <p:cTn id="8" fill="hold">
                       <p:stCondLst>
                         <p:cond delay="indefinite"/>
                       </p:stCondLst>
                       <p:childTnLst>
                         <p:par>
-                          <p:cTn id="8" fill="hold">
+                          <p:cTn id="9" fill="hold">
                             <p:stCondLst>
                               <p:cond delay="0"/>
                             </p:stCondLst>
                             <p:childTnLst>
                               <p:par>
-                                <p:cTn id="9" presetID="1" presetClass="entr" presetSubtype="0" fill="hold" nodeType="clickEffect">
+                                <p:cTn id="10" presetID="22" presetClass="entr" presetSubtype="8" fill="hold" nodeType="clickEffect">
                                   <p:stCondLst>
                                     <p:cond delay="0"/>
                                   </p:stCondLst>
                                   <p:childTnLst>
                                     <p:set>
                                       <p:cBhvr>
-                                        <p:cTn id="10" dur="1" fill="hold">
+                                        <p:cTn id="11" dur="1" fill="hold">
                                           <p:stCondLst>
                                             <p:cond delay="0"/>
                                           </p:stCondLst>
@@ -4316,6 +4329,18 @@
                                         <p:strVal val="visible"/>
                                       </p:to>
                                     </p:set>
+                                    <p:animEffect transition="in" filter="wipe(left)">
+                                      <p:cBhvr>
+                                        <p:cTn id="12" dur="500"/>
+                                        <p:tgtEl>
+                                          <p:spTgt spid="669699">
+                                            <p:txEl>
+                                              <p:pRg st="3" end="3"/>
+                                            </p:txEl>
+                                          </p:spTgt>
+                                        </p:tgtEl>
+                                      </p:cBhvr>
+                                    </p:animEffect>
                                   </p:childTnLst>
                                 </p:cTn>
                               </p:par>
@@ -4326,26 +4351,26 @@
                     </p:cTn>
                   </p:par>
                   <p:par>
-                    <p:cTn id="11" fill="hold">
+                    <p:cTn id="13" fill="hold">
                       <p:stCondLst>
                         <p:cond delay="indefinite"/>
                       </p:stCondLst>
                       <p:childTnLst>
                         <p:par>
-                          <p:cTn id="12" fill="hold">
+                          <p:cTn id="14" fill="hold">
                             <p:stCondLst>
                               <p:cond delay="0"/>
                             </p:stCondLst>
                             <p:childTnLst>
                               <p:par>
-                                <p:cTn id="13" presetID="2" presetClass="entr" presetSubtype="6" fill="hold" grpId="0" nodeType="clickEffect">
+                                <p:cTn id="15" presetID="9" presetClass="entr" presetSubtype="0" fill="hold" grpId="0" nodeType="clickEffect">
                                   <p:stCondLst>
                                     <p:cond delay="0"/>
                                   </p:stCondLst>
                                   <p:childTnLst>
                                     <p:set>
                                       <p:cBhvr>
-                                        <p:cTn id="14" dur="1" fill="hold">
+                                        <p:cTn id="16" dur="1" fill="hold">
                                           <p:stCondLst>
                                             <p:cond delay="0"/>
                                           </p:stCondLst>
@@ -4361,52 +4386,14 @@
                                         <p:strVal val="visible"/>
                                       </p:to>
                                     </p:set>
-                                    <p:anim calcmode="lin" valueType="num">
-                                      <p:cBhvr additive="base">
-                                        <p:cTn id="15" dur="500" fill="hold"/>
+                                    <p:animEffect transition="in" filter="dissolve">
+                                      <p:cBhvr>
+                                        <p:cTn id="17" dur="500"/>
                                         <p:tgtEl>
                                           <p:spTgt spid="669700"/>
                                         </p:tgtEl>
-                                        <p:attrNameLst>
-                                          <p:attrName>ppt_x</p:attrName>
-                                        </p:attrNameLst>
                                       </p:cBhvr>
-                                      <p:tavLst>
-                                        <p:tav tm="0">
-                                          <p:val>
-                                            <p:strVal val="1+#ppt_w/2"/>
-                                          </p:val>
-                                        </p:tav>
-                                        <p:tav tm="100000">
-                                          <p:val>
-                                            <p:strVal val="#ppt_x"/>
-                                          </p:val>
-                                        </p:tav>
-                                      </p:tavLst>
-                                    </p:anim>
-                                    <p:anim calcmode="lin" valueType="num">
-                                      <p:cBhvr additive="base">
-                                        <p:cTn id="16" dur="500" fill="hold"/>
-                                        <p:tgtEl>
-                                          <p:spTgt spid="669700"/>
-                                        </p:tgtEl>
-                                        <p:attrNameLst>
-                                          <p:attrName>ppt_y</p:attrName>
-                                        </p:attrNameLst>
-                                      </p:cBhvr>
-                                      <p:tavLst>
-                                        <p:tav tm="0">
-                                          <p:val>
-                                            <p:strVal val="1+#ppt_h/2"/>
-                                          </p:val>
-                                        </p:tav>
-                                        <p:tav tm="100000">
-                                          <p:val>
-                                            <p:strVal val="#ppt_y"/>
-                                          </p:val>
-                                        </p:tav>
-                                      </p:tavLst>
-                                    </p:anim>
+                                    </p:animEffect>
                                   </p:childTnLst>
                                 </p:cTn>
                               </p:par>
@@ -4532,11 +4519,11 @@
               <a:buNone/>
             </a:pPr>
             <a:r>
-              <a:rPr lang="en-US" sz="4000"/>
+              <a:rPr lang="en-US" sz="4000" dirty="0"/>
               <a:t>degree </a:t>
             </a:r>
             <a:r>
-              <a:rPr lang="en-US" sz="4000">
+              <a:rPr lang="en-US" sz="4000" dirty="0">
                 <a:solidFill>
                   <a:schemeClr val="hlink"/>
                 </a:solidFill>
@@ -5445,7 +5432,7 @@
                                 </p:cTn>
                               </p:par>
                               <p:par>
-                                <p:cTn id="9" presetID="1" presetClass="entr" presetSubtype="0" fill="hold" grpId="0" nodeType="withEffect">
+                                <p:cTn id="9" presetID="9" presetClass="entr" presetSubtype="0" fill="hold" grpId="0" nodeType="withEffect">
                                   <p:stCondLst>
                                     <p:cond delay="0"/>
                                   </p:stCondLst>
@@ -5468,6 +5455,14 @@
                                         <p:strVal val="visible"/>
                                       </p:to>
                                     </p:set>
+                                    <p:animEffect transition="in" filter="dissolve">
+                                      <p:cBhvr>
+                                        <p:cTn id="11" dur="500"/>
+                                        <p:tgtEl>
+                                          <p:spTgt spid="571422"/>
+                                        </p:tgtEl>
+                                      </p:cBhvr>
+                                    </p:animEffect>
                                   </p:childTnLst>
                                 </p:cTn>
                               </p:par>
@@ -5478,26 +5473,26 @@
                     </p:cTn>
                   </p:par>
                   <p:par>
-                    <p:cTn id="11" fill="hold">
+                    <p:cTn id="12" fill="hold">
                       <p:stCondLst>
                         <p:cond delay="indefinite"/>
                       </p:stCondLst>
                       <p:childTnLst>
                         <p:par>
-                          <p:cTn id="12" fill="hold">
+                          <p:cTn id="13" fill="hold">
                             <p:stCondLst>
                               <p:cond delay="0"/>
                             </p:stCondLst>
                             <p:childTnLst>
                               <p:par>
-                                <p:cTn id="13" presetID="1" presetClass="entr" presetSubtype="0" fill="hold" grpId="0" nodeType="clickEffect">
+                                <p:cTn id="14" presetID="9" presetClass="entr" presetSubtype="0" fill="hold" grpId="0" nodeType="clickEffect">
                                   <p:stCondLst>
                                     <p:cond delay="0"/>
                                   </p:stCondLst>
                                   <p:childTnLst>
                                     <p:set>
                                       <p:cBhvr>
-                                        <p:cTn id="14" dur="1" fill="hold">
+                                        <p:cTn id="15" dur="1" fill="hold">
                                           <p:stCondLst>
                                             <p:cond delay="0"/>
                                           </p:stCondLst>
@@ -5513,6 +5508,14 @@
                                         <p:strVal val="visible"/>
                                       </p:to>
                                     </p:set>
+                                    <p:animEffect transition="in" filter="dissolve">
+                                      <p:cBhvr>
+                                        <p:cTn id="16" dur="500"/>
+                                        <p:tgtEl>
+                                          <p:spTgt spid="571423"/>
+                                        </p:tgtEl>
+                                      </p:cBhvr>
+                                    </p:animEffect>
                                   </p:childTnLst>
                                 </p:cTn>
                               </p:par>
@@ -5646,7 +5649,10 @@
               <a:t>If some property </a:t>
             </a:r>
             <a:r>
-              <a:rPr lang="en-US" altLang="zh-CN" sz="4000" i="1" dirty="0" smtClean="0">
+              <a:rPr lang="en-US" altLang="zh-CN" sz="4000" dirty="0" smtClean="0">
+                <a:solidFill>
+                  <a:srgbClr val="9F009F"/>
+                </a:solidFill>
                 <a:ea typeface="SimSun" pitchFamily="2" charset="-122"/>
               </a:rPr>
               <a:t>preserved by </a:t>
@@ -5661,7 +5667,10 @@
               <a:buNone/>
             </a:pPr>
             <a:r>
-              <a:rPr lang="en-US" altLang="zh-CN" sz="4000" i="1" dirty="0" smtClean="0">
+              <a:rPr lang="en-US" altLang="zh-CN" sz="4000" dirty="0" smtClean="0">
+                <a:solidFill>
+                  <a:srgbClr val="9F009F"/>
+                </a:solidFill>
                 <a:ea typeface="SimSun" pitchFamily="2" charset="-122"/>
               </a:rPr>
               <a:t>isomorphism</a:t>
@@ -6082,7 +6091,11 @@
             </a:r>
             <a:r>
               <a:rPr lang="en-US" dirty="0" smtClean="0"/>
-              <a:t> an isomorphism?</a:t>
+              <a:t> an isomorphism</a:t>
+            </a:r>
+            <a:r>
+              <a:rPr lang="en-US" dirty="0" smtClean="0"/>
+              <a:t>?</a:t>
             </a:r>
             <a:endParaRPr lang="en-US" dirty="0"/>
           </a:p>
@@ -6144,13 +6157,18 @@
               <a:t>can use properties </a:t>
             </a:r>
             <a:r>
-              <a:rPr lang="en-US" sz="3600" i="1" dirty="0" smtClean="0"/>
-              <a:t>preserved  </a:t>
+              <a:rPr lang="en-US" sz="3600" dirty="0" smtClean="0">
+                <a:solidFill>
+                  <a:srgbClr val="9F009F"/>
+                </a:solidFill>
+              </a:rPr>
+              <a:t>preserved </a:t>
             </a:r>
             <a:r>
               <a:rPr lang="en-US" sz="3600" dirty="0" smtClean="0"/>
               <a:t>by </a:t>
             </a:r>
+            <a:endParaRPr lang="en-US" sz="3600" dirty="0" smtClean="0"/>
           </a:p>
           <a:p>
             <a:pPr>
@@ -6289,7 +6307,7 @@
                             </p:stCondLst>
                             <p:childTnLst>
                               <p:par>
-                                <p:cTn id="5" presetID="1" presetClass="entr" presetSubtype="0" fill="hold" nodeType="clickEffect">
+                                <p:cTn id="5" presetID="9" presetClass="entr" presetSubtype="0" fill="hold" nodeType="clickEffect">
                                   <p:stCondLst>
                                     <p:cond delay="0"/>
                                   </p:stCondLst>
@@ -6316,18 +6334,30 @@
                                         <p:strVal val="visible"/>
                                       </p:to>
                                     </p:set>
+                                    <p:animEffect transition="in" filter="dissolve">
+                                      <p:cBhvr>
+                                        <p:cTn id="7" dur="500"/>
+                                        <p:tgtEl>
+                                          <p:spTgt spid="671747">
+                                            <p:txEl>
+                                              <p:pRg st="1" end="1"/>
+                                            </p:txEl>
+                                          </p:spTgt>
+                                        </p:tgtEl>
+                                      </p:cBhvr>
+                                    </p:animEffect>
                                   </p:childTnLst>
                                 </p:cTn>
                               </p:par>
                               <p:par>
-                                <p:cTn id="7" presetID="1" presetClass="entr" presetSubtype="0" fill="hold" nodeType="withEffect">
+                                <p:cTn id="8" presetID="9" presetClass="entr" presetSubtype="0" fill="hold" nodeType="withEffect">
                                   <p:stCondLst>
                                     <p:cond delay="0"/>
                                   </p:stCondLst>
                                   <p:childTnLst>
                                     <p:set>
                                       <p:cBhvr>
-                                        <p:cTn id="8" dur="1" fill="hold">
+                                        <p:cTn id="9" dur="1" fill="hold">
                                           <p:stCondLst>
                                             <p:cond delay="0"/>
                                           </p:stCondLst>
@@ -6347,6 +6377,18 @@
                                         <p:strVal val="visible"/>
                                       </p:to>
                                     </p:set>
+                                    <p:animEffect transition="in" filter="dissolve">
+                                      <p:cBhvr>
+                                        <p:cTn id="10" dur="500"/>
+                                        <p:tgtEl>
+                                          <p:spTgt spid="671747">
+                                            <p:txEl>
+                                              <p:pRg st="2" end="2"/>
+                                            </p:txEl>
+                                          </p:spTgt>
+                                        </p:tgtEl>
+                                      </p:cBhvr>
+                                    </p:animEffect>
                                   </p:childTnLst>
                                 </p:cTn>
                               </p:par>
@@ -6357,26 +6399,26 @@
                     </p:cTn>
                   </p:par>
                   <p:par>
-                    <p:cTn id="9" fill="hold">
+                    <p:cTn id="11" fill="hold">
                       <p:stCondLst>
                         <p:cond delay="indefinite"/>
                       </p:stCondLst>
                       <p:childTnLst>
                         <p:par>
-                          <p:cTn id="10" fill="hold">
+                          <p:cTn id="12" fill="hold">
                             <p:stCondLst>
                               <p:cond delay="0"/>
                             </p:stCondLst>
                             <p:childTnLst>
                               <p:par>
-                                <p:cTn id="11" presetID="1" presetClass="entr" presetSubtype="0" fill="hold" nodeType="clickEffect">
+                                <p:cTn id="13" presetID="9" presetClass="entr" presetSubtype="0" fill="hold" nodeType="clickEffect">
                                   <p:stCondLst>
                                     <p:cond delay="0"/>
                                   </p:stCondLst>
                                   <p:childTnLst>
                                     <p:set>
                                       <p:cBhvr>
-                                        <p:cTn id="12" dur="1" fill="hold">
+                                        <p:cTn id="14" dur="1" fill="hold">
                                           <p:stCondLst>
                                             <p:cond delay="0"/>
                                           </p:stCondLst>
@@ -6396,18 +6438,30 @@
                                         <p:strVal val="visible"/>
                                       </p:to>
                                     </p:set>
+                                    <p:animEffect transition="in" filter="dissolve">
+                                      <p:cBhvr>
+                                        <p:cTn id="15" dur="500"/>
+                                        <p:tgtEl>
+                                          <p:spTgt spid="671747">
+                                            <p:txEl>
+                                              <p:pRg st="3" end="3"/>
+                                            </p:txEl>
+                                          </p:spTgt>
+                                        </p:tgtEl>
+                                      </p:cBhvr>
+                                    </p:animEffect>
                                   </p:childTnLst>
                                 </p:cTn>
                               </p:par>
                               <p:par>
-                                <p:cTn id="13" presetID="1" presetClass="entr" presetSubtype="0" fill="hold" nodeType="withEffect">
+                                <p:cTn id="16" presetID="9" presetClass="entr" presetSubtype="0" fill="hold" nodeType="withEffect">
                                   <p:stCondLst>
                                     <p:cond delay="0"/>
                                   </p:stCondLst>
                                   <p:childTnLst>
                                     <p:set>
                                       <p:cBhvr>
-                                        <p:cTn id="14" dur="1" fill="hold">
+                                        <p:cTn id="17" dur="1" fill="hold">
                                           <p:stCondLst>
                                             <p:cond delay="0"/>
                                           </p:stCondLst>
@@ -6427,55 +6481,18 @@
                                         <p:strVal val="visible"/>
                                       </p:to>
                                     </p:set>
-                                  </p:childTnLst>
-                                </p:cTn>
-                              </p:par>
-                            </p:childTnLst>
-                          </p:cTn>
-                        </p:par>
-                      </p:childTnLst>
-                    </p:cTn>
-                  </p:par>
-                  <p:par>
-                    <p:cTn id="15" fill="hold">
-                      <p:stCondLst>
-                        <p:cond delay="indefinite"/>
-                      </p:stCondLst>
-                      <p:childTnLst>
-                        <p:par>
-                          <p:cTn id="16" fill="hold">
-                            <p:stCondLst>
-                              <p:cond delay="0"/>
-                            </p:stCondLst>
-                            <p:childTnLst>
-                              <p:par>
-                                <p:cTn id="17" presetID="1" presetClass="entr" presetSubtype="0" fill="hold" nodeType="clickEffect">
-                                  <p:stCondLst>
-                                    <p:cond delay="0"/>
-                                  </p:stCondLst>
-                                  <p:childTnLst>
-                                    <p:set>
+                                    <p:animEffect transition="in" filter="dissolve">
                                       <p:cBhvr>
-                                        <p:cTn id="18" dur="1" fill="hold">
-                                          <p:stCondLst>
-                                            <p:cond delay="0"/>
-                                          </p:stCondLst>
-                                        </p:cTn>
+                                        <p:cTn id="18" dur="500"/>
                                         <p:tgtEl>
                                           <p:spTgt spid="671747">
                                             <p:txEl>
-                                              <p:pRg st="5" end="5"/>
+                                              <p:pRg st="4" end="4"/>
                                             </p:txEl>
                                           </p:spTgt>
                                         </p:tgtEl>
-                                        <p:attrNameLst>
-                                          <p:attrName>style.visibility</p:attrName>
-                                        </p:attrNameLst>
                                       </p:cBhvr>
-                                      <p:to>
-                                        <p:strVal val="visible"/>
-                                      </p:to>
-                                    </p:set>
+                                    </p:animEffect>
                                   </p:childTnLst>
                                 </p:cTn>
                               </p:par>
@@ -6498,7 +6515,7 @@
                             </p:stCondLst>
                             <p:childTnLst>
                               <p:par>
-                                <p:cTn id="21" presetID="9" presetClass="entr" presetSubtype="0" fill="hold" grpId="0" nodeType="clickEffect">
+                                <p:cTn id="21" presetID="9" presetClass="entr" presetSubtype="0" fill="hold" nodeType="clickEffect">
                                   <p:stCondLst>
                                     <p:cond delay="0"/>
                                   </p:stCondLst>
@@ -6506,6 +6523,67 @@
                                     <p:set>
                                       <p:cBhvr>
                                         <p:cTn id="22" dur="1" fill="hold">
+                                          <p:stCondLst>
+                                            <p:cond delay="0"/>
+                                          </p:stCondLst>
+                                        </p:cTn>
+                                        <p:tgtEl>
+                                          <p:spTgt spid="671747">
+                                            <p:txEl>
+                                              <p:pRg st="5" end="5"/>
+                                            </p:txEl>
+                                          </p:spTgt>
+                                        </p:tgtEl>
+                                        <p:attrNameLst>
+                                          <p:attrName>style.visibility</p:attrName>
+                                        </p:attrNameLst>
+                                      </p:cBhvr>
+                                      <p:to>
+                                        <p:strVal val="visible"/>
+                                      </p:to>
+                                    </p:set>
+                                    <p:animEffect transition="in" filter="dissolve">
+                                      <p:cBhvr>
+                                        <p:cTn id="23" dur="500"/>
+                                        <p:tgtEl>
+                                          <p:spTgt spid="671747">
+                                            <p:txEl>
+                                              <p:pRg st="5" end="5"/>
+                                            </p:txEl>
+                                          </p:spTgt>
+                                        </p:tgtEl>
+                                      </p:cBhvr>
+                                    </p:animEffect>
+                                  </p:childTnLst>
+                                </p:cTn>
+                              </p:par>
+                            </p:childTnLst>
+                          </p:cTn>
+                        </p:par>
+                      </p:childTnLst>
+                    </p:cTn>
+                  </p:par>
+                  <p:par>
+                    <p:cTn id="24" fill="hold">
+                      <p:stCondLst>
+                        <p:cond delay="indefinite"/>
+                      </p:stCondLst>
+                      <p:childTnLst>
+                        <p:par>
+                          <p:cTn id="25" fill="hold">
+                            <p:stCondLst>
+                              <p:cond delay="0"/>
+                            </p:stCondLst>
+                            <p:childTnLst>
+                              <p:par>
+                                <p:cTn id="26" presetID="9" presetClass="entr" presetSubtype="0" fill="hold" grpId="0" nodeType="clickEffect">
+                                  <p:stCondLst>
+                                    <p:cond delay="0"/>
+                                  </p:stCondLst>
+                                  <p:childTnLst>
+                                    <p:set>
+                                      <p:cBhvr>
+                                        <p:cTn id="27" dur="1" fill="hold">
                                           <p:stCondLst>
                                             <p:cond delay="0"/>
                                           </p:stCondLst>
@@ -6523,7 +6601,7 @@
                                     </p:set>
                                     <p:animEffect transition="in" filter="dissolve">
                                       <p:cBhvr>
-                                        <p:cTn id="23" dur="500"/>
+                                        <p:cTn id="28" dur="500"/>
                                         <p:tgtEl>
                                           <p:spTgt spid="5"/>
                                         </p:tgtEl>
@@ -6887,7 +6965,7 @@
                             </p:stCondLst>
                             <p:childTnLst>
                               <p:par>
-                                <p:cTn id="5" presetID="22" presetClass="entr" presetSubtype="1" fill="hold" grpId="0" nodeType="afterEffect">
+                                <p:cTn id="5" presetID="22" presetClass="entr" presetSubtype="8" fill="hold" nodeType="withEffect">
                                   <p:stCondLst>
                                     <p:cond delay="0"/>
                                   </p:stCondLst>
@@ -6895,50 +6973,6 @@
                                     <p:set>
                                       <p:cBhvr>
                                         <p:cTn id="6" dur="1" fill="hold">
-                                          <p:stCondLst>
-                                            <p:cond delay="0"/>
-                                          </p:stCondLst>
-                                        </p:cTn>
-                                        <p:tgtEl>
-                                          <p:spTgt spid="37890"/>
-                                        </p:tgtEl>
-                                        <p:attrNameLst>
-                                          <p:attrName>style.visibility</p:attrName>
-                                        </p:attrNameLst>
-                                      </p:cBhvr>
-                                      <p:to>
-                                        <p:strVal val="visible"/>
-                                      </p:to>
-                                    </p:set>
-                                    <p:animEffect transition="in" filter="wipe(up)">
-                                      <p:cBhvr>
-                                        <p:cTn id="7" dur="500"/>
-                                        <p:tgtEl>
-                                          <p:spTgt spid="37890"/>
-                                        </p:tgtEl>
-                                      </p:cBhvr>
-                                    </p:animEffect>
-                                  </p:childTnLst>
-                                </p:cTn>
-                              </p:par>
-                            </p:childTnLst>
-                          </p:cTn>
-                        </p:par>
-                        <p:par>
-                          <p:cTn id="8" fill="hold">
-                            <p:stCondLst>
-                              <p:cond delay="500"/>
-                            </p:stCondLst>
-                            <p:childTnLst>
-                              <p:par>
-                                <p:cTn id="9" presetID="9" presetClass="entr" presetSubtype="0" fill="hold" nodeType="afterEffect">
-                                  <p:stCondLst>
-                                    <p:cond delay="0"/>
-                                  </p:stCondLst>
-                                  <p:childTnLst>
-                                    <p:set>
-                                      <p:cBhvr>
-                                        <p:cTn id="10" dur="1" fill="hold">
                                           <p:stCondLst>
                                             <p:cond delay="0"/>
                                           </p:stCondLst>
@@ -6954,9 +6988,9 @@
                                         <p:strVal val="visible"/>
                                       </p:to>
                                     </p:set>
-                                    <p:animEffect transition="in" filter="dissolve">
+                                    <p:animEffect transition="in" filter="wipe(left)">
                                       <p:cBhvr>
-                                        <p:cTn id="11" dur="500"/>
+                                        <p:cTn id="7" dur="500"/>
                                         <p:tgtEl>
                                           <p:spTgt spid="2"/>
                                         </p:tgtEl>
@@ -6972,26 +7006,26 @@
                     </p:cTn>
                   </p:par>
                   <p:par>
-                    <p:cTn id="12" fill="hold">
+                    <p:cTn id="8" fill="hold">
                       <p:stCondLst>
                         <p:cond delay="indefinite"/>
                       </p:stCondLst>
                       <p:childTnLst>
                         <p:par>
-                          <p:cTn id="13" fill="hold">
+                          <p:cTn id="9" fill="hold">
                             <p:stCondLst>
                               <p:cond delay="0"/>
                             </p:stCondLst>
                             <p:childTnLst>
                               <p:par>
-                                <p:cTn id="14" presetID="10" presetClass="entr" presetSubtype="0" fill="hold" grpId="0" nodeType="clickEffect">
+                                <p:cTn id="10" presetID="10" presetClass="entr" presetSubtype="0" fill="hold" grpId="0" nodeType="clickEffect">
                                   <p:stCondLst>
                                     <p:cond delay="0"/>
                                   </p:stCondLst>
                                   <p:childTnLst>
                                     <p:set>
                                       <p:cBhvr>
-                                        <p:cTn id="15" dur="1" fill="hold">
+                                        <p:cTn id="11" dur="1" fill="hold">
                                           <p:stCondLst>
                                             <p:cond delay="0"/>
                                           </p:stCondLst>
@@ -7009,7 +7043,7 @@
                                     </p:set>
                                     <p:animEffect transition="in" filter="fade">
                                       <p:cBhvr>
-                                        <p:cTn id="16" dur="500"/>
+                                        <p:cTn id="12" dur="500"/>
                                         <p:tgtEl>
                                           <p:spTgt spid="37892"/>
                                         </p:tgtEl>
@@ -7046,7 +7080,6 @@
       </p:par>
     </p:tnLst>
     <p:bldLst>
-      <p:bldP spid="37890" grpId="0"/>
       <p:bldP spid="37892" grpId="0"/>
     </p:bldLst>
   </p:timing>
@@ -8706,7 +8739,7 @@
               <a:buNone/>
             </a:pPr>
             <a:r>
-              <a:rPr lang="en-US" sz="3600">
+              <a:rPr lang="en-US" sz="3600" dirty="0">
                 <a:solidFill>
                   <a:srgbClr val="008000"/>
                 </a:solidFill>
@@ -8714,15 +8747,15 @@
               <a:t>Same graph</a:t>
             </a:r>
             <a:r>
-              <a:rPr lang="en-US" sz="3600"/>
+              <a:rPr lang="en-US" sz="3600" dirty="0"/>
               <a:t> (different </a:t>
             </a:r>
             <a:r>
-              <a:rPr lang="en-US" sz="3600" i="1"/>
+              <a:rPr lang="en-US" sz="3600" i="1" dirty="0"/>
               <a:t>layouts</a:t>
             </a:r>
             <a:r>
-              <a:rPr lang="en-US" sz="3600"/>
+              <a:rPr lang="en-US" sz="3600" dirty="0"/>
               <a:t>)</a:t>
             </a:r>
           </a:p>
@@ -8757,7 +8790,7 @@
                             </p:stCondLst>
                             <p:childTnLst>
                               <p:par>
-                                <p:cTn id="5" presetID="1" presetClass="entr" presetSubtype="0" fill="hold" grpId="0" nodeType="clickEffect">
+                                <p:cTn id="5" presetID="9" presetClass="entr" presetSubtype="0" fill="hold" grpId="0" nodeType="clickEffect">
                                   <p:stCondLst>
                                     <p:cond delay="0"/>
                                   </p:stCondLst>
@@ -8780,18 +8813,26 @@
                                         <p:strVal val="visible"/>
                                       </p:to>
                                     </p:set>
+                                    <p:animEffect transition="in" filter="dissolve">
+                                      <p:cBhvr>
+                                        <p:cTn id="7" dur="500"/>
+                                        <p:tgtEl>
+                                          <p:spTgt spid="562221"/>
+                                        </p:tgtEl>
+                                      </p:cBhvr>
+                                    </p:animEffect>
                                   </p:childTnLst>
                                 </p:cTn>
                               </p:par>
                               <p:par>
-                                <p:cTn id="7" presetID="1" presetClass="entr" presetSubtype="0" fill="hold" grpId="0" nodeType="withEffect">
+                                <p:cTn id="8" presetID="9" presetClass="entr" presetSubtype="0" fill="hold" grpId="0" nodeType="withEffect">
                                   <p:stCondLst>
                                     <p:cond delay="0"/>
                                   </p:stCondLst>
                                   <p:childTnLst>
                                     <p:set>
                                       <p:cBhvr>
-                                        <p:cTn id="8" dur="1" fill="hold">
+                                        <p:cTn id="9" dur="1" fill="hold">
                                           <p:stCondLst>
                                             <p:cond delay="0"/>
                                           </p:stCondLst>
@@ -8807,6 +8848,14 @@
                                         <p:strVal val="visible"/>
                                       </p:to>
                                     </p:set>
+                                    <p:animEffect transition="in" filter="dissolve">
+                                      <p:cBhvr>
+                                        <p:cTn id="10" dur="500"/>
+                                        <p:tgtEl>
+                                          <p:spTgt spid="562222"/>
+                                        </p:tgtEl>
+                                      </p:cBhvr>
+                                    </p:animEffect>
                                   </p:childTnLst>
                                 </p:cTn>
                               </p:par>
@@ -10495,7 +10544,7 @@
               <a:buNone/>
             </a:pPr>
             <a:r>
-              <a:rPr lang="en-US" sz="3600">
+              <a:rPr lang="en-US" sz="3600" dirty="0">
                 <a:solidFill>
                   <a:srgbClr val="008000"/>
                 </a:solidFill>
@@ -10503,15 +10552,15 @@
               <a:t>Same graph</a:t>
             </a:r>
             <a:r>
-              <a:rPr lang="en-US" sz="3600"/>
+              <a:rPr lang="en-US" sz="3600" dirty="0"/>
               <a:t> (different </a:t>
             </a:r>
             <a:r>
-              <a:rPr lang="en-US" sz="3600" i="1"/>
+              <a:rPr lang="en-US" sz="3600" i="1" dirty="0"/>
               <a:t>labels</a:t>
             </a:r>
             <a:r>
-              <a:rPr lang="en-US" sz="3600"/>
+              <a:rPr lang="en-US" sz="3600" dirty="0"/>
               <a:t>)</a:t>
             </a:r>
           </a:p>
@@ -10573,7 +10622,7 @@
                             </p:stCondLst>
                             <p:childTnLst>
                               <p:par>
-                                <p:cTn id="5" presetID="1" presetClass="entr" presetSubtype="0" fill="hold" grpId="0" nodeType="clickEffect">
+                                <p:cTn id="5" presetID="9" presetClass="entr" presetSubtype="0" fill="hold" grpId="0" nodeType="clickEffect">
                                   <p:stCondLst>
                                     <p:cond delay="0"/>
                                   </p:stCondLst>
@@ -10596,18 +10645,26 @@
                                         <p:strVal val="visible"/>
                                       </p:to>
                                     </p:set>
+                                    <p:animEffect transition="in" filter="dissolve">
+                                      <p:cBhvr>
+                                        <p:cTn id="7" dur="500"/>
+                                        <p:tgtEl>
+                                          <p:spTgt spid="563245"/>
+                                        </p:tgtEl>
+                                      </p:cBhvr>
+                                    </p:animEffect>
                                   </p:childTnLst>
                                 </p:cTn>
                               </p:par>
                               <p:par>
-                                <p:cTn id="7" presetID="1" presetClass="entr" presetSubtype="0" fill="hold" grpId="0" nodeType="withEffect">
+                                <p:cTn id="8" presetID="9" presetClass="entr" presetSubtype="0" fill="hold" grpId="0" nodeType="withEffect">
                                   <p:stCondLst>
                                     <p:cond delay="0"/>
                                   </p:stCondLst>
                                   <p:childTnLst>
                                     <p:set>
                                       <p:cBhvr>
-                                        <p:cTn id="8" dur="1" fill="hold">
+                                        <p:cTn id="9" dur="1" fill="hold">
                                           <p:stCondLst>
                                             <p:cond delay="0"/>
                                           </p:stCondLst>
@@ -10623,6 +10680,14 @@
                                         <p:strVal val="visible"/>
                                       </p:to>
                                     </p:set>
+                                    <p:animEffect transition="in" filter="dissolve">
+                                      <p:cBhvr>
+                                        <p:cTn id="10" dur="500"/>
+                                        <p:tgtEl>
+                                          <p:spTgt spid="563247"/>
+                                        </p:tgtEl>
+                                      </p:cBhvr>
+                                    </p:animEffect>
                                   </p:childTnLst>
                                 </p:cTn>
                               </p:par>
@@ -12882,7 +12947,7 @@
                             </p:stCondLst>
                             <p:childTnLst>
                               <p:par>
-                                <p:cTn id="5" presetID="1" presetClass="entr" presetSubtype="0" fill="hold" nodeType="clickEffect">
+                                <p:cTn id="5" presetID="9" presetClass="entr" presetSubtype="0" fill="hold" nodeType="clickEffect">
                                   <p:stCondLst>
                                     <p:cond delay="0"/>
                                   </p:stCondLst>
@@ -12909,6 +12974,18 @@
                                         <p:strVal val="visible"/>
                                       </p:to>
                                     </p:set>
+                                    <p:animEffect transition="in" filter="dissolve">
+                                      <p:cBhvr>
+                                        <p:cTn id="7" dur="500"/>
+                                        <p:tgtEl>
+                                          <p:spTgt spid="663589">
+                                            <p:txEl>
+                                              <p:pRg st="0" end="0"/>
+                                            </p:txEl>
+                                          </p:spTgt>
+                                        </p:tgtEl>
+                                      </p:cBhvr>
+                                    </p:animEffect>
                                   </p:childTnLst>
                                 </p:cTn>
                               </p:par>
@@ -12916,20 +12993,20 @@
                           </p:cTn>
                         </p:par>
                         <p:par>
-                          <p:cTn id="7" fill="hold">
+                          <p:cTn id="8" fill="hold">
                             <p:stCondLst>
-                              <p:cond delay="0"/>
+                              <p:cond delay="500"/>
                             </p:stCondLst>
                             <p:childTnLst>
                               <p:par>
-                                <p:cTn id="8" presetID="22" presetClass="entr" presetSubtype="8" fill="hold" nodeType="afterEffect">
+                                <p:cTn id="9" presetID="22" presetClass="entr" presetSubtype="8" fill="hold" nodeType="afterEffect">
                                   <p:stCondLst>
                                     <p:cond delay="0"/>
                                   </p:stCondLst>
                                   <p:childTnLst>
                                     <p:set>
                                       <p:cBhvr>
-                                        <p:cTn id="9" dur="1" fill="hold">
+                                        <p:cTn id="10" dur="1" fill="hold">
                                           <p:stCondLst>
                                             <p:cond delay="0"/>
                                           </p:stCondLst>
@@ -12947,7 +13024,7 @@
                                     </p:set>
                                     <p:animEffect transition="in" filter="wipe(left)">
                                       <p:cBhvr>
-                                        <p:cTn id="10" dur="500"/>
+                                        <p:cTn id="11" dur="500"/>
                                         <p:tgtEl>
                                           <p:spTgt spid="663584"/>
                                         </p:tgtEl>
@@ -12963,26 +13040,26 @@
                     </p:cTn>
                   </p:par>
                   <p:par>
-                    <p:cTn id="11" fill="hold">
+                    <p:cTn id="12" fill="hold">
                       <p:stCondLst>
                         <p:cond delay="indefinite"/>
                       </p:stCondLst>
                       <p:childTnLst>
                         <p:par>
-                          <p:cTn id="12" fill="hold">
+                          <p:cTn id="13" fill="hold">
                             <p:stCondLst>
                               <p:cond delay="0"/>
                             </p:stCondLst>
                             <p:childTnLst>
                               <p:par>
-                                <p:cTn id="13" presetID="1" presetClass="entr" presetSubtype="0" fill="hold" nodeType="clickEffect">
+                                <p:cTn id="14" presetID="9" presetClass="entr" presetSubtype="0" fill="hold" nodeType="clickEffect">
                                   <p:stCondLst>
                                     <p:cond delay="0"/>
                                   </p:stCondLst>
                                   <p:childTnLst>
                                     <p:set>
                                       <p:cBhvr>
-                                        <p:cTn id="14" dur="1" fill="hold">
+                                        <p:cTn id="15" dur="1" fill="hold">
                                           <p:stCondLst>
                                             <p:cond delay="0"/>
                                           </p:stCondLst>
@@ -13002,6 +13079,18 @@
                                         <p:strVal val="visible"/>
                                       </p:to>
                                     </p:set>
+                                    <p:animEffect transition="in" filter="dissolve">
+                                      <p:cBhvr>
+                                        <p:cTn id="16" dur="500"/>
+                                        <p:tgtEl>
+                                          <p:spTgt spid="663589">
+                                            <p:txEl>
+                                              <p:pRg st="1" end="1"/>
+                                            </p:txEl>
+                                          </p:spTgt>
+                                        </p:tgtEl>
+                                      </p:cBhvr>
+                                    </p:animEffect>
                                   </p:childTnLst>
                                 </p:cTn>
                               </p:par>
@@ -13009,20 +13098,20 @@
                           </p:cTn>
                         </p:par>
                         <p:par>
-                          <p:cTn id="15" fill="hold">
+                          <p:cTn id="17" fill="hold">
                             <p:stCondLst>
-                              <p:cond delay="0"/>
+                              <p:cond delay="500"/>
                             </p:stCondLst>
                             <p:childTnLst>
                               <p:par>
-                                <p:cTn id="16" presetID="22" presetClass="entr" presetSubtype="8" fill="hold" nodeType="afterEffect">
+                                <p:cTn id="18" presetID="22" presetClass="entr" presetSubtype="8" fill="hold" nodeType="afterEffect">
                                   <p:stCondLst>
                                     <p:cond delay="0"/>
                                   </p:stCondLst>
                                   <p:childTnLst>
                                     <p:set>
                                       <p:cBhvr>
-                                        <p:cTn id="17" dur="1" fill="hold">
+                                        <p:cTn id="19" dur="1" fill="hold">
                                           <p:stCondLst>
                                             <p:cond delay="0"/>
                                           </p:stCondLst>
@@ -13040,7 +13129,7 @@
                                     </p:set>
                                     <p:animEffect transition="in" filter="wipe(left)">
                                       <p:cBhvr>
-                                        <p:cTn id="18" dur="500"/>
+                                        <p:cTn id="20" dur="500"/>
                                         <p:tgtEl>
                                           <p:spTgt spid="663585"/>
                                         </p:tgtEl>
@@ -13056,26 +13145,26 @@
                     </p:cTn>
                   </p:par>
                   <p:par>
-                    <p:cTn id="19" fill="hold">
+                    <p:cTn id="21" fill="hold">
                       <p:stCondLst>
                         <p:cond delay="indefinite"/>
                       </p:stCondLst>
                       <p:childTnLst>
                         <p:par>
-                          <p:cTn id="20" fill="hold">
+                          <p:cTn id="22" fill="hold">
                             <p:stCondLst>
                               <p:cond delay="0"/>
                             </p:stCondLst>
                             <p:childTnLst>
                               <p:par>
-                                <p:cTn id="21" presetID="1" presetClass="entr" presetSubtype="0" fill="hold" nodeType="clickEffect">
+                                <p:cTn id="23" presetID="9" presetClass="entr" presetSubtype="0" fill="hold" nodeType="clickEffect">
                                   <p:stCondLst>
                                     <p:cond delay="0"/>
                                   </p:stCondLst>
                                   <p:childTnLst>
                                     <p:set>
                                       <p:cBhvr>
-                                        <p:cTn id="22" dur="1" fill="hold">
+                                        <p:cTn id="24" dur="1" fill="hold">
                                           <p:stCondLst>
                                             <p:cond delay="0"/>
                                           </p:stCondLst>
@@ -13095,6 +13184,18 @@
                                         <p:strVal val="visible"/>
                                       </p:to>
                                     </p:set>
+                                    <p:animEffect transition="in" filter="dissolve">
+                                      <p:cBhvr>
+                                        <p:cTn id="25" dur="500"/>
+                                        <p:tgtEl>
+                                          <p:spTgt spid="663591">
+                                            <p:txEl>
+                                              <p:pRg st="0" end="0"/>
+                                            </p:txEl>
+                                          </p:spTgt>
+                                        </p:tgtEl>
+                                      </p:cBhvr>
+                                    </p:animEffect>
                                   </p:childTnLst>
                                 </p:cTn>
                               </p:par>
@@ -13102,20 +13203,20 @@
                           </p:cTn>
                         </p:par>
                         <p:par>
-                          <p:cTn id="23" fill="hold">
+                          <p:cTn id="26" fill="hold">
                             <p:stCondLst>
-                              <p:cond delay="0"/>
+                              <p:cond delay="500"/>
                             </p:stCondLst>
                             <p:childTnLst>
                               <p:par>
-                                <p:cTn id="24" presetID="22" presetClass="entr" presetSubtype="8" fill="hold" nodeType="afterEffect">
+                                <p:cTn id="27" presetID="22" presetClass="entr" presetSubtype="8" fill="hold" nodeType="afterEffect">
                                   <p:stCondLst>
                                     <p:cond delay="0"/>
                                   </p:stCondLst>
                                   <p:childTnLst>
                                     <p:set>
                                       <p:cBhvr>
-                                        <p:cTn id="25" dur="1" fill="hold">
+                                        <p:cTn id="28" dur="1" fill="hold">
                                           <p:stCondLst>
                                             <p:cond delay="0"/>
                                           </p:stCondLst>
@@ -13133,7 +13234,7 @@
                                     </p:set>
                                     <p:animEffect transition="in" filter="wipe(left)">
                                       <p:cBhvr>
-                                        <p:cTn id="26" dur="500"/>
+                                        <p:cTn id="29" dur="500"/>
                                         <p:tgtEl>
                                           <p:spTgt spid="663586"/>
                                         </p:tgtEl>
@@ -13146,20 +13247,20 @@
                           </p:cTn>
                         </p:par>
                         <p:par>
-                          <p:cTn id="27" fill="hold">
+                          <p:cTn id="30" fill="hold">
                             <p:stCondLst>
-                              <p:cond delay="500"/>
+                              <p:cond delay="1000"/>
                             </p:stCondLst>
                             <p:childTnLst>
                               <p:par>
-                                <p:cTn id="28" presetID="1" presetClass="entr" presetSubtype="0" fill="hold" nodeType="afterEffect">
+                                <p:cTn id="31" presetID="9" presetClass="entr" presetSubtype="0" fill="hold" nodeType="afterEffect">
                                   <p:stCondLst>
                                     <p:cond delay="500"/>
                                   </p:stCondLst>
                                   <p:childTnLst>
                                     <p:set>
                                       <p:cBhvr>
-                                        <p:cTn id="29" dur="1" fill="hold">
+                                        <p:cTn id="32" dur="1" fill="hold">
                                           <p:stCondLst>
                                             <p:cond delay="0"/>
                                           </p:stCondLst>
@@ -13179,6 +13280,18 @@
                                         <p:strVal val="visible"/>
                                       </p:to>
                                     </p:set>
+                                    <p:animEffect transition="in" filter="dissolve">
+                                      <p:cBhvr>
+                                        <p:cTn id="33" dur="500"/>
+                                        <p:tgtEl>
+                                          <p:spTgt spid="663591">
+                                            <p:txEl>
+                                              <p:pRg st="1" end="1"/>
+                                            </p:txEl>
+                                          </p:spTgt>
+                                        </p:tgtEl>
+                                      </p:cBhvr>
+                                    </p:animEffect>
                                   </p:childTnLst>
                                 </p:cTn>
                               </p:par>
@@ -13186,20 +13299,20 @@
                           </p:cTn>
                         </p:par>
                         <p:par>
-                          <p:cTn id="30" fill="hold">
+                          <p:cTn id="34" fill="hold">
                             <p:stCondLst>
-                              <p:cond delay="1000"/>
+                              <p:cond delay="2000"/>
                             </p:stCondLst>
                             <p:childTnLst>
                               <p:par>
-                                <p:cTn id="31" presetID="22" presetClass="entr" presetSubtype="8" fill="hold" nodeType="afterEffect">
+                                <p:cTn id="35" presetID="22" presetClass="entr" presetSubtype="8" fill="hold" nodeType="afterEffect">
                                   <p:stCondLst>
                                     <p:cond delay="0"/>
                                   </p:stCondLst>
                                   <p:childTnLst>
                                     <p:set>
                                       <p:cBhvr>
-                                        <p:cTn id="32" dur="1" fill="hold">
+                                        <p:cTn id="36" dur="1" fill="hold">
                                           <p:stCondLst>
                                             <p:cond delay="0"/>
                                           </p:stCondLst>
@@ -13217,7 +13330,7 @@
                                     </p:set>
                                     <p:animEffect transition="in" filter="wipe(left)">
                                       <p:cBhvr>
-                                        <p:cTn id="33" dur="500"/>
+                                        <p:cTn id="37" dur="500"/>
                                         <p:tgtEl>
                                           <p:spTgt spid="663587"/>
                                         </p:tgtEl>
@@ -17600,7 +17713,7 @@
                             </p:stCondLst>
                             <p:childTnLst>
                               <p:par>
-                                <p:cTn id="18" presetID="1" presetClass="entr" presetSubtype="0" fill="hold" grpId="0" nodeType="afterEffect">
+                                <p:cTn id="18" presetID="9" presetClass="entr" presetSubtype="0" fill="hold" grpId="0" nodeType="afterEffect">
                                   <p:stCondLst>
                                     <p:cond delay="0"/>
                                   </p:stCondLst>
@@ -17623,6 +17736,14 @@
                                         <p:strVal val="visible"/>
                                       </p:to>
                                     </p:set>
+                                    <p:animEffect transition="in" filter="dissolve">
+                                      <p:cBhvr>
+                                        <p:cTn id="20" dur="500"/>
+                                        <p:tgtEl>
+                                          <p:spTgt spid="40"/>
+                                        </p:tgtEl>
+                                      </p:cBhvr>
+                                    </p:animEffect>
                                   </p:childTnLst>
                                 </p:cTn>
                               </p:par>

--- a/spring12/slidesS12/simple-isomorphism.pptx
+++ b/spring12/slidesS12/simple-isomorphism.pptx
@@ -6091,11 +6091,7 @@
             </a:r>
             <a:r>
               <a:rPr lang="en-US" dirty="0" smtClean="0"/>
-              <a:t> an isomorphism</a:t>
-            </a:r>
-            <a:r>
-              <a:rPr lang="en-US" dirty="0" smtClean="0"/>
-              <a:t>?</a:t>
+              <a:t> an isomorphism?</a:t>
             </a:r>
             <a:endParaRPr lang="en-US" dirty="0"/>
           </a:p>
@@ -6168,7 +6164,6 @@
               <a:rPr lang="en-US" sz="3600" dirty="0" smtClean="0"/>
               <a:t>by </a:t>
             </a:r>
-            <a:endParaRPr lang="en-US" sz="3600" dirty="0" smtClean="0"/>
           </a:p>
           <a:p>
             <a:pPr>
@@ -8711,7 +8706,7 @@
         <p:spPr bwMode="auto">
           <a:xfrm>
             <a:off x="1346200" y="1112838"/>
-            <a:ext cx="6837363" cy="641350"/>
+            <a:ext cx="6906082" cy="646331"/>
           </a:xfrm>
           <a:prstGeom prst="rect">
             <a:avLst/>
@@ -8751,7 +8746,11 @@
               <a:t> (different </a:t>
             </a:r>
             <a:r>
-              <a:rPr lang="en-US" sz="3600" i="1" dirty="0"/>
+              <a:rPr lang="en-US" sz="3600" dirty="0">
+                <a:solidFill>
+                  <a:srgbClr val="9F009F"/>
+                </a:solidFill>
+              </a:rPr>
               <a:t>layouts</a:t>
             </a:r>
             <a:r>
@@ -10516,7 +10515,7 @@
         <p:spPr bwMode="auto">
           <a:xfrm>
             <a:off x="1346200" y="1112838"/>
-            <a:ext cx="6553200" cy="641350"/>
+            <a:ext cx="6618669" cy="646331"/>
           </a:xfrm>
           <a:prstGeom prst="rect">
             <a:avLst/>
@@ -10556,7 +10555,11 @@
               <a:t> (different </a:t>
             </a:r>
             <a:r>
-              <a:rPr lang="en-US" sz="3600" i="1" dirty="0"/>
+              <a:rPr lang="en-US" sz="3600" dirty="0">
+                <a:solidFill>
+                  <a:srgbClr val="9F009F"/>
+                </a:solidFill>
+              </a:rPr>
               <a:t>labels</a:t>
             </a:r>
             <a:r>
